--- a/Documents/Arduino Advanced.pptx
+++ b/Documents/Arduino Advanced.pptx
@@ -5,7 +5,7 @@
     <p:sldMasterId id="2147483684" r:id="rId1"/>
   </p:sldMasterIdLst>
   <p:notesMasterIdLst>
-    <p:notesMasterId r:id="rId24"/>
+    <p:notesMasterId r:id="rId20"/>
   </p:notesMasterIdLst>
   <p:sldIdLst>
     <p:sldId id="256" r:id="rId2"/>
@@ -24,12 +24,8 @@
     <p:sldId id="266" r:id="rId15"/>
     <p:sldId id="300" r:id="rId16"/>
     <p:sldId id="301" r:id="rId17"/>
-    <p:sldId id="289" r:id="rId18"/>
-    <p:sldId id="291" r:id="rId19"/>
-    <p:sldId id="292" r:id="rId20"/>
-    <p:sldId id="293" r:id="rId21"/>
-    <p:sldId id="273" r:id="rId22"/>
-    <p:sldId id="286" r:id="rId23"/>
+    <p:sldId id="273" r:id="rId18"/>
+    <p:sldId id="286" r:id="rId19"/>
   </p:sldIdLst>
   <p:sldSz cx="12192000" cy="6858000"/>
   <p:notesSz cx="6858000" cy="9144000"/>
@@ -222,7 +218,7 @@
           <a:p>
             <a:fld id="{854DB326-07A1-441E-9825-A0DFECF8E4C7}" type="datetimeFigureOut">
               <a:rPr lang="nl-NL" smtClean="0"/>
-              <a:t>3-10-2017</a:t>
+              <a:t>25-10-2017</a:t>
             </a:fld>
             <a:endParaRPr lang="nl-NL"/>
           </a:p>
@@ -628,13 +624,8 @@
           <a:p>
             <a:r>
               <a:rPr lang="nl-NL" dirty="0"/>
-              <a:t>Active Low: er loopt standaard een stroompje, waardoor de waarde standaard HIGH is. Wanneer er op het knopje wordt gedrukt, wordt het stroompje onderbroken en wordt er een LOW </a:t>
-            </a:r>
-            <a:r>
-              <a:rPr lang="nl-NL"/>
-              <a:t>signaal teruggegeven.</a:t>
-            </a:r>
-            <a:endParaRPr lang="nl-NL" dirty="0"/>
+              <a:t>.</a:t>
+            </a:r>
           </a:p>
         </p:txBody>
       </p:sp>
@@ -718,10 +709,7 @@
           <a:bodyPr/>
           <a:lstStyle/>
           <a:p>
-            <a:r>
-              <a:rPr lang="nl-NL" dirty="0"/>
-              <a:t>Voor het overzichtelijk plaatsen van componenten.</a:t>
-            </a:r>
+            <a:endParaRPr lang="nl-NL" dirty="0"/>
           </a:p>
         </p:txBody>
       </p:sp>
@@ -839,177 +827,6 @@
     <p:extLst>
       <p:ext uri="{BB962C8B-B14F-4D97-AF65-F5344CB8AC3E}">
         <p14:creationId xmlns:p14="http://schemas.microsoft.com/office/powerpoint/2010/main" val="3722721375"/>
-      </p:ext>
-    </p:extLst>
-  </p:cSld>
-  <p:clrMapOvr>
-    <a:masterClrMapping/>
-  </p:clrMapOvr>
-</p:notes>
-</file>
-
-<file path=ppt/notesSlides/notesSlide5.xml><?xml version="1.0" encoding="utf-8"?>
-<p:notes xmlns:a="http://schemas.openxmlformats.org/drawingml/2006/main" xmlns:r="http://schemas.openxmlformats.org/officeDocument/2006/relationships" xmlns:p="http://schemas.openxmlformats.org/presentationml/2006/main">
-  <p:cSld>
-    <p:spTree>
-      <p:nvGrpSpPr>
-        <p:cNvPr id="1" name=""/>
-        <p:cNvGrpSpPr/>
-        <p:nvPr/>
-      </p:nvGrpSpPr>
-      <p:grpSpPr>
-        <a:xfrm>
-          <a:off x="0" y="0"/>
-          <a:ext cx="0" cy="0"/>
-          <a:chOff x="0" y="0"/>
-          <a:chExt cx="0" cy="0"/>
-        </a:xfrm>
-      </p:grpSpPr>
-      <p:sp>
-        <p:nvSpPr>
-          <p:cNvPr id="2" name="Tijdelijke aanduiding voor dia-afbeelding 1"/>
-          <p:cNvSpPr>
-            <a:spLocks noGrp="1" noRot="1" noChangeAspect="1"/>
-          </p:cNvSpPr>
-          <p:nvPr>
-            <p:ph type="sldImg"/>
-          </p:nvPr>
-        </p:nvSpPr>
-        <p:spPr/>
-      </p:sp>
-      <p:sp>
-        <p:nvSpPr>
-          <p:cNvPr id="3" name="Tijdelijke aanduiding voor notities 2"/>
-          <p:cNvSpPr>
-            <a:spLocks noGrp="1"/>
-          </p:cNvSpPr>
-          <p:nvPr>
-            <p:ph type="body" idx="1"/>
-          </p:nvPr>
-        </p:nvSpPr>
-        <p:spPr/>
-        <p:txBody>
-          <a:bodyPr/>
-          <a:lstStyle/>
-          <a:p>
-            <a:r>
-              <a:rPr lang="nl-NL" noProof="0" dirty="0"/>
-              <a:t>Baud rate: de snelheid in bits per seconde waarop gegevens worden uitgewisseld met de Arduino en de computer, deze moet bij beide de Arduino en de computer hetzelfde zijn.</a:t>
-            </a:r>
-          </a:p>
-        </p:txBody>
-      </p:sp>
-      <p:sp>
-        <p:nvSpPr>
-          <p:cNvPr id="4" name="Tijdelijke aanduiding voor dianummer 3"/>
-          <p:cNvSpPr>
-            <a:spLocks noGrp="1"/>
-          </p:cNvSpPr>
-          <p:nvPr>
-            <p:ph type="sldNum" sz="quarter" idx="10"/>
-          </p:nvPr>
-        </p:nvSpPr>
-        <p:spPr/>
-        <p:txBody>
-          <a:bodyPr/>
-          <a:lstStyle/>
-          <a:p>
-            <a:fld id="{4E156DB9-168A-4E3B-B0EB-C6D5B9668EC2}" type="slidenum">
-              <a:rPr lang="nl-NL" smtClean="0"/>
-              <a:t>18</a:t>
-            </a:fld>
-            <a:endParaRPr lang="nl-NL"/>
-          </a:p>
-        </p:txBody>
-      </p:sp>
-    </p:spTree>
-    <p:extLst>
-      <p:ext uri="{BB962C8B-B14F-4D97-AF65-F5344CB8AC3E}">
-        <p14:creationId xmlns:p14="http://schemas.microsoft.com/office/powerpoint/2010/main" val="1247125210"/>
-      </p:ext>
-    </p:extLst>
-  </p:cSld>
-  <p:clrMapOvr>
-    <a:masterClrMapping/>
-  </p:clrMapOvr>
-</p:notes>
-</file>
-
-<file path=ppt/notesSlides/notesSlide6.xml><?xml version="1.0" encoding="utf-8"?>
-<p:notes xmlns:a="http://schemas.openxmlformats.org/drawingml/2006/main" xmlns:r="http://schemas.openxmlformats.org/officeDocument/2006/relationships" xmlns:p="http://schemas.openxmlformats.org/presentationml/2006/main">
-  <p:cSld>
-    <p:spTree>
-      <p:nvGrpSpPr>
-        <p:cNvPr id="1" name=""/>
-        <p:cNvGrpSpPr/>
-        <p:nvPr/>
-      </p:nvGrpSpPr>
-      <p:grpSpPr>
-        <a:xfrm>
-          <a:off x="0" y="0"/>
-          <a:ext cx="0" cy="0"/>
-          <a:chOff x="0" y="0"/>
-          <a:chExt cx="0" cy="0"/>
-        </a:xfrm>
-      </p:grpSpPr>
-      <p:sp>
-        <p:nvSpPr>
-          <p:cNvPr id="2" name="Tijdelijke aanduiding voor dia-afbeelding 1"/>
-          <p:cNvSpPr>
-            <a:spLocks noGrp="1" noRot="1" noChangeAspect="1"/>
-          </p:cNvSpPr>
-          <p:nvPr>
-            <p:ph type="sldImg"/>
-          </p:nvPr>
-        </p:nvSpPr>
-        <p:spPr/>
-      </p:sp>
-      <p:sp>
-        <p:nvSpPr>
-          <p:cNvPr id="3" name="Tijdelijke aanduiding voor notities 2"/>
-          <p:cNvSpPr>
-            <a:spLocks noGrp="1"/>
-          </p:cNvSpPr>
-          <p:nvPr>
-            <p:ph type="body" idx="1"/>
-          </p:nvPr>
-        </p:nvSpPr>
-        <p:spPr/>
-        <p:txBody>
-          <a:bodyPr/>
-          <a:lstStyle/>
-          <a:p>
-            <a:endParaRPr lang="nl-NL" dirty="0"/>
-          </a:p>
-        </p:txBody>
-      </p:sp>
-      <p:sp>
-        <p:nvSpPr>
-          <p:cNvPr id="4" name="Tijdelijke aanduiding voor dianummer 3"/>
-          <p:cNvSpPr>
-            <a:spLocks noGrp="1"/>
-          </p:cNvSpPr>
-          <p:nvPr>
-            <p:ph type="sldNum" sz="quarter" idx="10"/>
-          </p:nvPr>
-        </p:nvSpPr>
-        <p:spPr/>
-        <p:txBody>
-          <a:bodyPr/>
-          <a:lstStyle/>
-          <a:p>
-            <a:fld id="{4E156DB9-168A-4E3B-B0EB-C6D5B9668EC2}" type="slidenum">
-              <a:rPr lang="nl-NL" smtClean="0"/>
-              <a:t>20</a:t>
-            </a:fld>
-            <a:endParaRPr lang="nl-NL"/>
-          </a:p>
-        </p:txBody>
-      </p:sp>
-    </p:spTree>
-    <p:extLst>
-      <p:ext uri="{BB962C8B-B14F-4D97-AF65-F5344CB8AC3E}">
-        <p14:creationId xmlns:p14="http://schemas.microsoft.com/office/powerpoint/2010/main" val="3479816897"/>
       </p:ext>
     </p:extLst>
   </p:cSld>
@@ -1215,7 +1032,7 @@
           <a:p>
             <a:fld id="{96DFF08F-DC6B-4601-B491-B0F83F6DD2DA}" type="datetimeFigureOut">
               <a:rPr lang="en-US" dirty="0"/>
-              <a:t>10/3/2017</a:t>
+              <a:t>10/25/2017</a:t>
             </a:fld>
             <a:endParaRPr lang="en-US" dirty="0"/>
           </a:p>
@@ -1431,7 +1248,7 @@
           <a:p>
             <a:fld id="{96DFF08F-DC6B-4601-B491-B0F83F6DD2DA}" type="datetimeFigureOut">
               <a:rPr lang="en-US" dirty="0"/>
-              <a:t>10/3/2017</a:t>
+              <a:t>10/25/2017</a:t>
             </a:fld>
             <a:endParaRPr lang="en-US" dirty="0"/>
           </a:p>
@@ -1606,7 +1423,7 @@
           <a:p>
             <a:fld id="{96DFF08F-DC6B-4601-B491-B0F83F6DD2DA}" type="datetimeFigureOut">
               <a:rPr lang="en-US" dirty="0"/>
-              <a:t>10/3/2017</a:t>
+              <a:t>10/25/2017</a:t>
             </a:fld>
             <a:endParaRPr lang="en-US" dirty="0"/>
           </a:p>
@@ -1771,7 +1588,7 @@
           <a:p>
             <a:fld id="{96DFF08F-DC6B-4601-B491-B0F83F6DD2DA}" type="datetimeFigureOut">
               <a:rPr lang="en-US" dirty="0"/>
-              <a:t>10/3/2017</a:t>
+              <a:t>10/25/2017</a:t>
             </a:fld>
             <a:endParaRPr lang="en-US" dirty="0"/>
           </a:p>
@@ -2017,7 +1834,7 @@
           <a:p>
             <a:fld id="{96DFF08F-DC6B-4601-B491-B0F83F6DD2DA}" type="datetimeFigureOut">
               <a:rPr lang="en-US" dirty="0"/>
-              <a:t>10/3/2017</a:t>
+              <a:t>10/25/2017</a:t>
             </a:fld>
             <a:endParaRPr lang="en-US" dirty="0"/>
           </a:p>
@@ -2335,7 +2152,7 @@
           <a:p>
             <a:fld id="{96DFF08F-DC6B-4601-B491-B0F83F6DD2DA}" type="datetimeFigureOut">
               <a:rPr lang="en-US" dirty="0"/>
-              <a:t>10/3/2017</a:t>
+              <a:t>10/25/2017</a:t>
             </a:fld>
             <a:endParaRPr lang="en-US" dirty="0"/>
           </a:p>
@@ -2754,7 +2571,7 @@
           <a:p>
             <a:fld id="{96DFF08F-DC6B-4601-B491-B0F83F6DD2DA}" type="datetimeFigureOut">
               <a:rPr lang="en-US" dirty="0"/>
-              <a:t>10/3/2017</a:t>
+              <a:t>10/25/2017</a:t>
             </a:fld>
             <a:endParaRPr lang="en-US" dirty="0"/>
           </a:p>
@@ -2867,7 +2684,7 @@
           <a:p>
             <a:fld id="{96DFF08F-DC6B-4601-B491-B0F83F6DD2DA}" type="datetimeFigureOut">
               <a:rPr lang="en-US" dirty="0"/>
-              <a:t>10/3/2017</a:t>
+              <a:t>10/25/2017</a:t>
             </a:fld>
             <a:endParaRPr lang="en-US" dirty="0"/>
           </a:p>
@@ -2957,7 +2774,7 @@
           <a:p>
             <a:fld id="{96DFF08F-DC6B-4601-B491-B0F83F6DD2DA}" type="datetimeFigureOut">
               <a:rPr lang="en-US" dirty="0"/>
-              <a:t>10/3/2017</a:t>
+              <a:t>10/25/2017</a:t>
             </a:fld>
             <a:endParaRPr lang="en-US" dirty="0"/>
           </a:p>
@@ -3242,7 +3059,7 @@
           <a:p>
             <a:fld id="{96DFF08F-DC6B-4601-B491-B0F83F6DD2DA}" type="datetimeFigureOut">
               <a:rPr lang="en-US" dirty="0"/>
-              <a:t>10/3/2017</a:t>
+              <a:t>10/25/2017</a:t>
             </a:fld>
             <a:endParaRPr lang="en-US" dirty="0"/>
           </a:p>
@@ -3509,7 +3326,7 @@
           <a:p>
             <a:fld id="{96DFF08F-DC6B-4601-B491-B0F83F6DD2DA}" type="datetimeFigureOut">
               <a:rPr lang="en-US" dirty="0"/>
-              <a:t>10/3/2017</a:t>
+              <a:t>10/25/2017</a:t>
             </a:fld>
             <a:endParaRPr lang="en-US" dirty="0"/>
           </a:p>
@@ -3759,7 +3576,7 @@
             <a:fld id="{96DFF08F-DC6B-4601-B491-B0F83F6DD2DA}" type="datetimeFigureOut">
               <a:rPr lang="en-US" dirty="0"/>
               <a:pPr/>
-              <a:t>10/3/2017</a:t>
+              <a:t>10/25/2017</a:t>
             </a:fld>
             <a:endParaRPr lang="en-US" dirty="0"/>
           </a:p>
@@ -4317,7 +4134,7 @@
             <a:pPr algn="ctr"/>
             <a:r>
               <a:rPr lang="en-US" dirty="0"/>
-              <a:t>Weerstanden</a:t>
+              <a:t>Infrarood ontvanger</a:t>
             </a:r>
             <a:endParaRPr lang="nl-NL" dirty="0"/>
           </a:p>
@@ -4343,8 +4160,8 @@
               <a:buChar char="§"/>
             </a:pPr>
             <a:r>
-              <a:rPr lang="en-US" dirty="0"/>
-              <a:t>Variabele weerstand.</a:t>
+              <a:rPr lang="nl-NL" dirty="0"/>
+              <a:t>Pin 1: OUT.</a:t>
             </a:r>
           </a:p>
           <a:p>
@@ -4353,8 +4170,8 @@
               <a:buChar char="§"/>
             </a:pPr>
             <a:r>
-              <a:rPr lang="en-US" dirty="0"/>
-              <a:t>Kleurcodes.</a:t>
+              <a:rPr lang="nl-NL" dirty="0"/>
+              <a:t>Pin 2: GND.</a:t>
             </a:r>
           </a:p>
           <a:p>
@@ -4363,16 +4180,9 @@
               <a:buChar char="§"/>
             </a:pPr>
             <a:r>
-              <a:rPr lang="en-US" dirty="0"/>
-              <a:t>Verlagen van stroomsterkte.</a:t>
-            </a:r>
-          </a:p>
-          <a:p>
-            <a:pPr>
-              <a:buFont typeface="Wingdings" panose="05000000000000000000" pitchFamily="2" charset="2"/>
-              <a:buChar char="§"/>
-            </a:pPr>
-            <a:endParaRPr lang="nl-NL" dirty="0"/>
+              <a:rPr lang="nl-NL" dirty="0"/>
+              <a:t>Pin 3: VCC.</a:t>
+            </a:r>
           </a:p>
         </p:txBody>
       </p:sp>
@@ -4804,12 +4614,8 @@
               <a:buChar char="§"/>
             </a:pPr>
             <a:r>
-              <a:rPr lang="en-US" dirty="0" err="1"/>
-              <a:t>Aansluiten</a:t>
-            </a:r>
-            <a:r>
               <a:rPr lang="en-US" dirty="0"/>
-              <a:t> op de L9110</a:t>
+              <a:t>Aansluiten op de motor driver.</a:t>
             </a:r>
           </a:p>
         </p:txBody>
@@ -5693,8 +5499,36 @@
               <a:buChar char="§"/>
             </a:pPr>
             <a:r>
+              <a:rPr lang="en-US" dirty="0" err="1"/>
+              <a:t>Aparte</a:t>
+            </a:r>
+            <a:r>
               <a:rPr lang="en-US" dirty="0"/>
-              <a:t>2 aansluitingen per motor.</a:t>
+              <a:t> pins voor rood, </a:t>
+            </a:r>
+            <a:r>
+              <a:rPr lang="en-US" dirty="0" err="1"/>
+              <a:t>groen</a:t>
+            </a:r>
+            <a:r>
+              <a:rPr lang="en-US" dirty="0"/>
+              <a:t> </a:t>
+            </a:r>
+            <a:r>
+              <a:rPr lang="en-US" dirty="0" err="1"/>
+              <a:t>en</a:t>
+            </a:r>
+            <a:r>
+              <a:rPr lang="en-US" dirty="0"/>
+              <a:t> </a:t>
+            </a:r>
+            <a:r>
+              <a:rPr lang="en-US" dirty="0" err="1"/>
+              <a:t>blauw</a:t>
+            </a:r>
+            <a:r>
+              <a:rPr lang="en-US" dirty="0"/>
+              <a:t>.</a:t>
             </a:r>
           </a:p>
           <a:p>
@@ -5703,16 +5537,9 @@
               <a:buChar char="§"/>
             </a:pPr>
             <a:r>
-              <a:rPr lang="nl-NL" dirty="0"/>
-              <a:t>Eenvoudig te besturen.</a:t>
-            </a:r>
-          </a:p>
-          <a:p>
-            <a:pPr>
-              <a:buFont typeface="Wingdings" panose="05000000000000000000" pitchFamily="2" charset="2"/>
-              <a:buChar char="§"/>
-            </a:pPr>
-            <a:endParaRPr lang="en-US" dirty="0"/>
+              <a:rPr lang="en-US" dirty="0"/>
+              <a:t>1 pin voor GND.</a:t>
+            </a:r>
           </a:p>
         </p:txBody>
       </p:sp>
@@ -5748,7 +5575,7 @@
       </p:grpSpPr>
       <p:sp>
         <p:nvSpPr>
-          <p:cNvPr id="2" name="Titel 1"/>
+          <p:cNvPr id="4" name="Titel 3"/>
           <p:cNvSpPr>
             <a:spLocks noGrp="1"/>
           </p:cNvSpPr>
@@ -5763,7 +5590,7 @@
           <a:p>
             <a:r>
               <a:rPr lang="en-US" dirty="0"/>
-              <a:t>Software</a:t>
+              <a:t>Zelf aan de slag</a:t>
             </a:r>
             <a:endParaRPr lang="nl-NL" dirty="0"/>
           </a:p>
@@ -5772,7 +5599,7 @@
     </p:spTree>
     <p:extLst>
       <p:ext uri="{BB962C8B-B14F-4D97-AF65-F5344CB8AC3E}">
-        <p14:creationId xmlns:p14="http://schemas.microsoft.com/office/powerpoint/2010/main" val="3663867680"/>
+        <p14:creationId xmlns:p14="http://schemas.microsoft.com/office/powerpoint/2010/main" val="1025737810"/>
       </p:ext>
     </p:extLst>
   </p:cSld>
@@ -5801,213 +5628,48 @@
       </p:grpSpPr>
       <p:sp>
         <p:nvSpPr>
-          <p:cNvPr id="2" name="Titel 1"/>
-          <p:cNvSpPr>
-            <a:spLocks noGrp="1"/>
-          </p:cNvSpPr>
-          <p:nvPr>
-            <p:ph type="title"/>
-          </p:nvPr>
-        </p:nvSpPr>
-        <p:spPr/>
-        <p:txBody>
-          <a:bodyPr/>
-          <a:lstStyle/>
-          <a:p>
-            <a:pPr algn="ctr"/>
+          <p:cNvPr id="4" name="Titel 3"/>
+          <p:cNvSpPr>
+            <a:spLocks noGrp="1"/>
+          </p:cNvSpPr>
+          <p:nvPr>
+            <p:ph type="ctrTitle"/>
+          </p:nvPr>
+        </p:nvSpPr>
+        <p:spPr>
+          <a:xfrm>
+            <a:off x="1101742" y="1392195"/>
+            <a:ext cx="9966960" cy="3880022"/>
+          </a:xfrm>
+        </p:spPr>
+        <p:txBody>
+          <a:bodyPr>
+            <a:normAutofit/>
+          </a:bodyPr>
+          <a:lstStyle/>
+          <a:p>
+            <a:r>
+              <a:rPr lang="en-US" b="0" dirty="0"/>
+              <a:t>Word lid van de studievereniging</a:t>
+            </a:r>
+            <a:br>
+              <a:rPr lang="en-US" b="0" dirty="0"/>
+            </a:br>
+            <a:br>
+              <a:rPr lang="en-US" b="0" dirty="0"/>
+            </a:br>
             <a:r>
               <a:rPr lang="en-US" dirty="0"/>
-              <a:t>Serieel</a:t>
+              <a:t>indicium</a:t>
             </a:r>
             <a:endParaRPr lang="nl-NL" dirty="0"/>
-          </a:p>
-        </p:txBody>
-      </p:sp>
-      <p:sp>
-        <p:nvSpPr>
-          <p:cNvPr id="3" name="Tijdelijke aanduiding voor inhoud 2"/>
-          <p:cNvSpPr>
-            <a:spLocks noGrp="1"/>
-          </p:cNvSpPr>
-          <p:nvPr>
-            <p:ph idx="1"/>
-          </p:nvPr>
-        </p:nvSpPr>
-        <p:spPr/>
-        <p:txBody>
-          <a:bodyPr/>
-          <a:lstStyle/>
-          <a:p>
-            <a:pPr>
-              <a:buFont typeface="Wingdings" panose="05000000000000000000" pitchFamily="2" charset="2"/>
-              <a:buChar char="§"/>
-            </a:pPr>
-            <a:r>
-              <a:rPr lang="en-US" dirty="0"/>
-              <a:t>Baud rate</a:t>
-            </a:r>
-          </a:p>
-          <a:p>
-            <a:pPr>
-              <a:buFont typeface="Wingdings" panose="05000000000000000000" pitchFamily="2" charset="2"/>
-              <a:buChar char="§"/>
-            </a:pPr>
-            <a:r>
-              <a:rPr lang="en-US" dirty="0"/>
-              <a:t>Tekst output</a:t>
-            </a:r>
-          </a:p>
-          <a:p>
-            <a:pPr lvl="1">
-              <a:buFont typeface="Wingdings" panose="05000000000000000000" pitchFamily="2" charset="2"/>
-              <a:buChar char="§"/>
-            </a:pPr>
-            <a:r>
-              <a:rPr lang="en-US" sz="1800" dirty="0"/>
-              <a:t>Serial.</a:t>
-            </a:r>
-            <a:r>
-              <a:rPr lang="en-US" sz="1600" dirty="0"/>
-              <a:t>begin(9600);</a:t>
-            </a:r>
-          </a:p>
-          <a:p>
-            <a:pPr lvl="1">
-              <a:buFont typeface="Wingdings" panose="05000000000000000000" pitchFamily="2" charset="2"/>
-              <a:buChar char="§"/>
-            </a:pPr>
-            <a:r>
-              <a:rPr lang="en-US" sz="1600" dirty="0"/>
-              <a:t>Serial.println(“Hoi”);</a:t>
-            </a:r>
-            <a:endParaRPr lang="nl-NL" sz="1600" dirty="0"/>
           </a:p>
         </p:txBody>
       </p:sp>
     </p:spTree>
     <p:extLst>
       <p:ext uri="{BB962C8B-B14F-4D97-AF65-F5344CB8AC3E}">
-        <p14:creationId xmlns:p14="http://schemas.microsoft.com/office/powerpoint/2010/main" val="817103500"/>
-      </p:ext>
-    </p:extLst>
-  </p:cSld>
-  <p:clrMapOvr>
-    <a:masterClrMapping/>
-  </p:clrMapOvr>
-</p:sld>
-</file>
-
-<file path=ppt/slides/slide19.xml><?xml version="1.0" encoding="utf-8"?>
-<p:sld xmlns:a="http://schemas.openxmlformats.org/drawingml/2006/main" xmlns:r="http://schemas.openxmlformats.org/officeDocument/2006/relationships" xmlns:p="http://schemas.openxmlformats.org/presentationml/2006/main">
-  <p:cSld>
-    <p:spTree>
-      <p:nvGrpSpPr>
-        <p:cNvPr id="1" name=""/>
-        <p:cNvGrpSpPr/>
-        <p:nvPr/>
-      </p:nvGrpSpPr>
-      <p:grpSpPr>
-        <a:xfrm>
-          <a:off x="0" y="0"/>
-          <a:ext cx="0" cy="0"/>
-          <a:chOff x="0" y="0"/>
-          <a:chExt cx="0" cy="0"/>
-        </a:xfrm>
-      </p:grpSpPr>
-      <p:sp>
-        <p:nvSpPr>
-          <p:cNvPr id="2" name="Titel 1"/>
-          <p:cNvSpPr>
-            <a:spLocks noGrp="1"/>
-          </p:cNvSpPr>
-          <p:nvPr>
-            <p:ph type="title"/>
-          </p:nvPr>
-        </p:nvSpPr>
-        <p:spPr/>
-        <p:txBody>
-          <a:bodyPr/>
-          <a:lstStyle/>
-          <a:p>
-            <a:pPr algn="ctr"/>
-            <a:r>
-              <a:rPr lang="en-US" dirty="0"/>
-              <a:t>Setup() en loop()</a:t>
-            </a:r>
-            <a:endParaRPr lang="nl-NL" dirty="0"/>
-          </a:p>
-        </p:txBody>
-      </p:sp>
-      <p:sp>
-        <p:nvSpPr>
-          <p:cNvPr id="3" name="Tijdelijke aanduiding voor inhoud 2"/>
-          <p:cNvSpPr>
-            <a:spLocks noGrp="1"/>
-          </p:cNvSpPr>
-          <p:nvPr>
-            <p:ph idx="1"/>
-          </p:nvPr>
-        </p:nvSpPr>
-        <p:spPr/>
-        <p:txBody>
-          <a:bodyPr/>
-          <a:lstStyle/>
-          <a:p>
-            <a:pPr>
-              <a:buFont typeface="Wingdings" panose="05000000000000000000" pitchFamily="2" charset="2"/>
-              <a:buChar char="§"/>
-            </a:pPr>
-            <a:r>
-              <a:rPr lang="en-US" dirty="0"/>
-              <a:t>Setup()</a:t>
-            </a:r>
-          </a:p>
-          <a:p>
-            <a:pPr lvl="1">
-              <a:buFont typeface="Wingdings" panose="05000000000000000000" pitchFamily="2" charset="2"/>
-              <a:buChar char="§"/>
-            </a:pPr>
-            <a:r>
-              <a:rPr lang="en-US" dirty="0"/>
-              <a:t>Initialiseer je programma.</a:t>
-            </a:r>
-          </a:p>
-          <a:p>
-            <a:pPr lvl="2">
-              <a:buFont typeface="Wingdings" panose="05000000000000000000" pitchFamily="2" charset="2"/>
-              <a:buChar char="§"/>
-            </a:pPr>
-            <a:r>
-              <a:rPr lang="en-US" dirty="0"/>
-              <a:t>Aangeven of pins input of output zijn.</a:t>
-            </a:r>
-          </a:p>
-          <a:p>
-            <a:pPr>
-              <a:buFont typeface="Wingdings" panose="05000000000000000000" pitchFamily="2" charset="2"/>
-              <a:buChar char="§"/>
-            </a:pPr>
-            <a:r>
-              <a:rPr lang="en-US" dirty="0"/>
-              <a:t>Loop()</a:t>
-            </a:r>
-          </a:p>
-          <a:p>
-            <a:pPr lvl="1">
-              <a:buFont typeface="Wingdings" panose="05000000000000000000" pitchFamily="2" charset="2"/>
-              <a:buChar char="§"/>
-            </a:pPr>
-            <a:r>
-              <a:rPr lang="en-US" dirty="0"/>
-              <a:t>Wordt herhaald.</a:t>
-            </a:r>
-          </a:p>
-        </p:txBody>
-      </p:sp>
-    </p:spTree>
-    <p:extLst>
-      <p:ext uri="{BB962C8B-B14F-4D97-AF65-F5344CB8AC3E}">
-        <p14:creationId xmlns:p14="http://schemas.microsoft.com/office/powerpoint/2010/main" val="1444390417"/>
+        <p14:creationId xmlns:p14="http://schemas.microsoft.com/office/powerpoint/2010/main" val="4133794521"/>
       </p:ext>
     </p:extLst>
   </p:cSld>
@@ -6089,298 +5751,6 @@
     <p:extLst>
       <p:ext uri="{BB962C8B-B14F-4D97-AF65-F5344CB8AC3E}">
         <p14:creationId xmlns:p14="http://schemas.microsoft.com/office/powerpoint/2010/main" val="1590145304"/>
-      </p:ext>
-    </p:extLst>
-  </p:cSld>
-  <p:clrMapOvr>
-    <a:masterClrMapping/>
-  </p:clrMapOvr>
-</p:sld>
-</file>
-
-<file path=ppt/slides/slide20.xml><?xml version="1.0" encoding="utf-8"?>
-<p:sld xmlns:a="http://schemas.openxmlformats.org/drawingml/2006/main" xmlns:r="http://schemas.openxmlformats.org/officeDocument/2006/relationships" xmlns:p="http://schemas.openxmlformats.org/presentationml/2006/main">
-  <p:cSld>
-    <p:spTree>
-      <p:nvGrpSpPr>
-        <p:cNvPr id="1" name=""/>
-        <p:cNvGrpSpPr/>
-        <p:nvPr/>
-      </p:nvGrpSpPr>
-      <p:grpSpPr>
-        <a:xfrm>
-          <a:off x="0" y="0"/>
-          <a:ext cx="0" cy="0"/>
-          <a:chOff x="0" y="0"/>
-          <a:chExt cx="0" cy="0"/>
-        </a:xfrm>
-      </p:grpSpPr>
-      <p:sp>
-        <p:nvSpPr>
-          <p:cNvPr id="2" name="Titel 1"/>
-          <p:cNvSpPr>
-            <a:spLocks noGrp="1"/>
-          </p:cNvSpPr>
-          <p:nvPr>
-            <p:ph type="title"/>
-          </p:nvPr>
-        </p:nvSpPr>
-        <p:spPr/>
-        <p:txBody>
-          <a:bodyPr/>
-          <a:lstStyle/>
-          <a:p>
-            <a:pPr algn="ctr"/>
-            <a:r>
-              <a:rPr lang="en-US" dirty="0"/>
-              <a:t>If, For, While</a:t>
-            </a:r>
-            <a:endParaRPr lang="nl-NL" dirty="0"/>
-          </a:p>
-        </p:txBody>
-      </p:sp>
-      <p:sp>
-        <p:nvSpPr>
-          <p:cNvPr id="3" name="Tijdelijke aanduiding voor inhoud 2"/>
-          <p:cNvSpPr>
-            <a:spLocks noGrp="1"/>
-          </p:cNvSpPr>
-          <p:nvPr>
-            <p:ph idx="1"/>
-          </p:nvPr>
-        </p:nvSpPr>
-        <p:spPr/>
-        <p:txBody>
-          <a:bodyPr/>
-          <a:lstStyle/>
-          <a:p>
-            <a:pPr>
-              <a:buFont typeface="Wingdings" panose="05000000000000000000" pitchFamily="2" charset="2"/>
-              <a:buChar char="§"/>
-            </a:pPr>
-            <a:r>
-              <a:rPr lang="en-US" dirty="0"/>
-              <a:t>If.</a:t>
-            </a:r>
-          </a:p>
-          <a:p>
-            <a:pPr lvl="1">
-              <a:buFont typeface="Wingdings" panose="05000000000000000000" pitchFamily="2" charset="2"/>
-              <a:buChar char="§"/>
-            </a:pPr>
-            <a:r>
-              <a:rPr lang="en-US" dirty="0"/>
-              <a:t>Kijk 1x of iets waar is.</a:t>
-            </a:r>
-          </a:p>
-          <a:p>
-            <a:pPr lvl="2">
-              <a:buFont typeface="Wingdings" panose="05000000000000000000" pitchFamily="2" charset="2"/>
-              <a:buChar char="§"/>
-            </a:pPr>
-            <a:r>
-              <a:rPr lang="en-US" sz="1600" dirty="0"/>
-              <a:t>if( input == 1) { doe_iets(); }</a:t>
-            </a:r>
-          </a:p>
-          <a:p>
-            <a:pPr>
-              <a:buFont typeface="Wingdings" panose="05000000000000000000" pitchFamily="2" charset="2"/>
-              <a:buChar char="§"/>
-            </a:pPr>
-            <a:r>
-              <a:rPr lang="en-US" dirty="0"/>
-              <a:t>For.</a:t>
-            </a:r>
-          </a:p>
-          <a:p>
-            <a:pPr lvl="1">
-              <a:buFont typeface="Wingdings" panose="05000000000000000000" pitchFamily="2" charset="2"/>
-              <a:buChar char="§"/>
-            </a:pPr>
-            <a:r>
-              <a:rPr lang="en-US" dirty="0"/>
-              <a:t>Kijk voor bepaald aantal keer of iets waar is.</a:t>
-            </a:r>
-          </a:p>
-          <a:p>
-            <a:pPr lvl="2">
-              <a:buFont typeface="Wingdings" panose="05000000000000000000" pitchFamily="2" charset="2"/>
-              <a:buChar char="§"/>
-            </a:pPr>
-            <a:r>
-              <a:rPr lang="en-US" sz="1600" dirty="0"/>
-              <a:t>for(int i = 0; i &lt; 10; i++) { </a:t>
-            </a:r>
-            <a:r>
-              <a:rPr lang="en-US" sz="1600" dirty="0" err="1"/>
-              <a:t>doe_iets_i_keer</a:t>
-            </a:r>
-            <a:r>
-              <a:rPr lang="en-US" sz="1600" dirty="0"/>
-              <a:t>(); }</a:t>
-            </a:r>
-          </a:p>
-          <a:p>
-            <a:pPr>
-              <a:buFont typeface="Wingdings" panose="05000000000000000000" pitchFamily="2" charset="2"/>
-              <a:buChar char="§"/>
-            </a:pPr>
-            <a:r>
-              <a:rPr lang="en-US" dirty="0"/>
-              <a:t>While.</a:t>
-            </a:r>
-          </a:p>
-          <a:p>
-            <a:pPr lvl="1">
-              <a:buFont typeface="Wingdings" panose="05000000000000000000" pitchFamily="2" charset="2"/>
-              <a:buChar char="§"/>
-            </a:pPr>
-            <a:r>
-              <a:rPr lang="en-US" dirty="0"/>
-              <a:t>Kijk voor onbepaalde tijd of iets waar is.</a:t>
-            </a:r>
-          </a:p>
-          <a:p>
-            <a:pPr lvl="2">
-              <a:buFont typeface="Wingdings" panose="05000000000000000000" pitchFamily="2" charset="2"/>
-              <a:buChar char="§"/>
-            </a:pPr>
-            <a:r>
-              <a:rPr lang="en-US" sz="1600" dirty="0"/>
-              <a:t>while(input != 0) { doe_iets_zolang_input_niet_0_is(); }</a:t>
-            </a:r>
-            <a:endParaRPr lang="nl-NL" sz="1600" dirty="0"/>
-          </a:p>
-        </p:txBody>
-      </p:sp>
-    </p:spTree>
-    <p:extLst>
-      <p:ext uri="{BB962C8B-B14F-4D97-AF65-F5344CB8AC3E}">
-        <p14:creationId xmlns:p14="http://schemas.microsoft.com/office/powerpoint/2010/main" val="1042084607"/>
-      </p:ext>
-    </p:extLst>
-  </p:cSld>
-  <p:clrMapOvr>
-    <a:masterClrMapping/>
-  </p:clrMapOvr>
-</p:sld>
-</file>
-
-<file path=ppt/slides/slide21.xml><?xml version="1.0" encoding="utf-8"?>
-<p:sld xmlns:a="http://schemas.openxmlformats.org/drawingml/2006/main" xmlns:r="http://schemas.openxmlformats.org/officeDocument/2006/relationships" xmlns:p="http://schemas.openxmlformats.org/presentationml/2006/main">
-  <p:cSld>
-    <p:spTree>
-      <p:nvGrpSpPr>
-        <p:cNvPr id="1" name=""/>
-        <p:cNvGrpSpPr/>
-        <p:nvPr/>
-      </p:nvGrpSpPr>
-      <p:grpSpPr>
-        <a:xfrm>
-          <a:off x="0" y="0"/>
-          <a:ext cx="0" cy="0"/>
-          <a:chOff x="0" y="0"/>
-          <a:chExt cx="0" cy="0"/>
-        </a:xfrm>
-      </p:grpSpPr>
-      <p:sp>
-        <p:nvSpPr>
-          <p:cNvPr id="4" name="Titel 3"/>
-          <p:cNvSpPr>
-            <a:spLocks noGrp="1"/>
-          </p:cNvSpPr>
-          <p:nvPr>
-            <p:ph type="ctrTitle"/>
-          </p:nvPr>
-        </p:nvSpPr>
-        <p:spPr/>
-        <p:txBody>
-          <a:bodyPr/>
-          <a:lstStyle/>
-          <a:p>
-            <a:r>
-              <a:rPr lang="en-US" dirty="0"/>
-              <a:t>Zelf aan de slag</a:t>
-            </a:r>
-            <a:endParaRPr lang="nl-NL" dirty="0"/>
-          </a:p>
-        </p:txBody>
-      </p:sp>
-    </p:spTree>
-    <p:extLst>
-      <p:ext uri="{BB962C8B-B14F-4D97-AF65-F5344CB8AC3E}">
-        <p14:creationId xmlns:p14="http://schemas.microsoft.com/office/powerpoint/2010/main" val="1025737810"/>
-      </p:ext>
-    </p:extLst>
-  </p:cSld>
-  <p:clrMapOvr>
-    <a:masterClrMapping/>
-  </p:clrMapOvr>
-</p:sld>
-</file>
-
-<file path=ppt/slides/slide22.xml><?xml version="1.0" encoding="utf-8"?>
-<p:sld xmlns:a="http://schemas.openxmlformats.org/drawingml/2006/main" xmlns:r="http://schemas.openxmlformats.org/officeDocument/2006/relationships" xmlns:p="http://schemas.openxmlformats.org/presentationml/2006/main">
-  <p:cSld>
-    <p:spTree>
-      <p:nvGrpSpPr>
-        <p:cNvPr id="1" name=""/>
-        <p:cNvGrpSpPr/>
-        <p:nvPr/>
-      </p:nvGrpSpPr>
-      <p:grpSpPr>
-        <a:xfrm>
-          <a:off x="0" y="0"/>
-          <a:ext cx="0" cy="0"/>
-          <a:chOff x="0" y="0"/>
-          <a:chExt cx="0" cy="0"/>
-        </a:xfrm>
-      </p:grpSpPr>
-      <p:sp>
-        <p:nvSpPr>
-          <p:cNvPr id="4" name="Titel 3"/>
-          <p:cNvSpPr>
-            <a:spLocks noGrp="1"/>
-          </p:cNvSpPr>
-          <p:nvPr>
-            <p:ph type="ctrTitle"/>
-          </p:nvPr>
-        </p:nvSpPr>
-        <p:spPr>
-          <a:xfrm>
-            <a:off x="1101742" y="1392195"/>
-            <a:ext cx="9966960" cy="3880022"/>
-          </a:xfrm>
-        </p:spPr>
-        <p:txBody>
-          <a:bodyPr>
-            <a:normAutofit/>
-          </a:bodyPr>
-          <a:lstStyle/>
-          <a:p>
-            <a:r>
-              <a:rPr lang="en-US" b="0" dirty="0"/>
-              <a:t>Word lid van de studievereniging</a:t>
-            </a:r>
-            <a:br>
-              <a:rPr lang="en-US" b="0" dirty="0"/>
-            </a:br>
-            <a:br>
-              <a:rPr lang="en-US" b="0" dirty="0"/>
-            </a:br>
-            <a:r>
-              <a:rPr lang="en-US" dirty="0"/>
-              <a:t>indicium</a:t>
-            </a:r>
-            <a:endParaRPr lang="nl-NL" dirty="0"/>
-          </a:p>
-        </p:txBody>
-      </p:sp>
-    </p:spTree>
-    <p:extLst>
-      <p:ext uri="{BB962C8B-B14F-4D97-AF65-F5344CB8AC3E}">
-        <p14:creationId xmlns:p14="http://schemas.microsoft.com/office/powerpoint/2010/main" val="4133794521"/>
       </p:ext>
     </p:extLst>
   </p:cSld>
@@ -7512,7 +6882,7 @@
                   <a:srgbClr val="FFFFFF"/>
                 </a:solidFill>
               </a:rPr>
-              <a:t>Weerstanden</a:t>
+              <a:t>Infrarood ontvanger</a:t>
             </a:r>
           </a:p>
         </p:txBody>

--- a/Documents/Arduino Advanced.pptx
+++ b/Documents/Arduino Advanced.pptx
@@ -218,7 +218,7 @@
           <a:p>
             <a:fld id="{854DB326-07A1-441E-9825-A0DFECF8E4C7}" type="datetimeFigureOut">
               <a:rPr lang="nl-NL" smtClean="0"/>
-              <a:t>25-10-2017</a:t>
+              <a:t>26-10-2017</a:t>
             </a:fld>
             <a:endParaRPr lang="nl-NL"/>
           </a:p>
@@ -1032,7 +1032,7 @@
           <a:p>
             <a:fld id="{96DFF08F-DC6B-4601-B491-B0F83F6DD2DA}" type="datetimeFigureOut">
               <a:rPr lang="en-US" dirty="0"/>
-              <a:t>10/25/2017</a:t>
+              <a:t>10/26/2017</a:t>
             </a:fld>
             <a:endParaRPr lang="en-US" dirty="0"/>
           </a:p>
@@ -1248,7 +1248,7 @@
           <a:p>
             <a:fld id="{96DFF08F-DC6B-4601-B491-B0F83F6DD2DA}" type="datetimeFigureOut">
               <a:rPr lang="en-US" dirty="0"/>
-              <a:t>10/25/2017</a:t>
+              <a:t>10/26/2017</a:t>
             </a:fld>
             <a:endParaRPr lang="en-US" dirty="0"/>
           </a:p>
@@ -1423,7 +1423,7 @@
           <a:p>
             <a:fld id="{96DFF08F-DC6B-4601-B491-B0F83F6DD2DA}" type="datetimeFigureOut">
               <a:rPr lang="en-US" dirty="0"/>
-              <a:t>10/25/2017</a:t>
+              <a:t>10/26/2017</a:t>
             </a:fld>
             <a:endParaRPr lang="en-US" dirty="0"/>
           </a:p>
@@ -1588,7 +1588,7 @@
           <a:p>
             <a:fld id="{96DFF08F-DC6B-4601-B491-B0F83F6DD2DA}" type="datetimeFigureOut">
               <a:rPr lang="en-US" dirty="0"/>
-              <a:t>10/25/2017</a:t>
+              <a:t>10/26/2017</a:t>
             </a:fld>
             <a:endParaRPr lang="en-US" dirty="0"/>
           </a:p>
@@ -1834,7 +1834,7 @@
           <a:p>
             <a:fld id="{96DFF08F-DC6B-4601-B491-B0F83F6DD2DA}" type="datetimeFigureOut">
               <a:rPr lang="en-US" dirty="0"/>
-              <a:t>10/25/2017</a:t>
+              <a:t>10/26/2017</a:t>
             </a:fld>
             <a:endParaRPr lang="en-US" dirty="0"/>
           </a:p>
@@ -2152,7 +2152,7 @@
           <a:p>
             <a:fld id="{96DFF08F-DC6B-4601-B491-B0F83F6DD2DA}" type="datetimeFigureOut">
               <a:rPr lang="en-US" dirty="0"/>
-              <a:t>10/25/2017</a:t>
+              <a:t>10/26/2017</a:t>
             </a:fld>
             <a:endParaRPr lang="en-US" dirty="0"/>
           </a:p>
@@ -2571,7 +2571,7 @@
           <a:p>
             <a:fld id="{96DFF08F-DC6B-4601-B491-B0F83F6DD2DA}" type="datetimeFigureOut">
               <a:rPr lang="en-US" dirty="0"/>
-              <a:t>10/25/2017</a:t>
+              <a:t>10/26/2017</a:t>
             </a:fld>
             <a:endParaRPr lang="en-US" dirty="0"/>
           </a:p>
@@ -2684,7 +2684,7 @@
           <a:p>
             <a:fld id="{96DFF08F-DC6B-4601-B491-B0F83F6DD2DA}" type="datetimeFigureOut">
               <a:rPr lang="en-US" dirty="0"/>
-              <a:t>10/25/2017</a:t>
+              <a:t>10/26/2017</a:t>
             </a:fld>
             <a:endParaRPr lang="en-US" dirty="0"/>
           </a:p>
@@ -2774,7 +2774,7 @@
           <a:p>
             <a:fld id="{96DFF08F-DC6B-4601-B491-B0F83F6DD2DA}" type="datetimeFigureOut">
               <a:rPr lang="en-US" dirty="0"/>
-              <a:t>10/25/2017</a:t>
+              <a:t>10/26/2017</a:t>
             </a:fld>
             <a:endParaRPr lang="en-US" dirty="0"/>
           </a:p>
@@ -3059,7 +3059,7 @@
           <a:p>
             <a:fld id="{96DFF08F-DC6B-4601-B491-B0F83F6DD2DA}" type="datetimeFigureOut">
               <a:rPr lang="en-US" dirty="0"/>
-              <a:t>10/25/2017</a:t>
+              <a:t>10/26/2017</a:t>
             </a:fld>
             <a:endParaRPr lang="en-US" dirty="0"/>
           </a:p>
@@ -3326,7 +3326,7 @@
           <a:p>
             <a:fld id="{96DFF08F-DC6B-4601-B491-B0F83F6DD2DA}" type="datetimeFigureOut">
               <a:rPr lang="en-US" dirty="0"/>
-              <a:t>10/25/2017</a:t>
+              <a:t>10/26/2017</a:t>
             </a:fld>
             <a:endParaRPr lang="en-US" dirty="0"/>
           </a:p>
@@ -3576,7 +3576,7 @@
             <a:fld id="{96DFF08F-DC6B-4601-B491-B0F83F6DD2DA}" type="datetimeFigureOut">
               <a:rPr lang="en-US" dirty="0"/>
               <a:pPr/>
-              <a:t>10/25/2017</a:t>
+              <a:t>10/26/2017</a:t>
             </a:fld>
             <a:endParaRPr lang="en-US" dirty="0"/>
           </a:p>
@@ -5743,7 +5743,28 @@
               <a:rPr lang="en-US" dirty="0"/>
               <a:t>Arduino IDE</a:t>
             </a:r>
-            <a:endParaRPr lang="nl-NL" dirty="0"/>
+          </a:p>
+          <a:p>
+            <a:pPr>
+              <a:buFont typeface="Wingdings" panose="05000000000000000000" pitchFamily="2" charset="2"/>
+              <a:buChar char="§"/>
+            </a:pPr>
+            <a:endParaRPr lang="en-US" dirty="0"/>
+          </a:p>
+          <a:p>
+            <a:pPr>
+              <a:buFont typeface="Wingdings" panose="05000000000000000000" pitchFamily="2" charset="2"/>
+              <a:buChar char="§"/>
+            </a:pPr>
+            <a:r>
+              <a:rPr lang="en-US" dirty="0"/>
+              <a:t>GitHub:	</a:t>
+            </a:r>
+            <a:r>
+              <a:rPr lang="nl-NL" dirty="0"/>
+              <a:t>https://goo.gl/4EESUY</a:t>
+            </a:r>
+            <a:endParaRPr lang="en-US" dirty="0"/>
           </a:p>
         </p:txBody>
       </p:sp>

--- a/Documents/Arduino Advanced.pptx
+++ b/Documents/Arduino Advanced.pptx
@@ -218,7 +218,7 @@
           <a:p>
             <a:fld id="{854DB326-07A1-441E-9825-A0DFECF8E4C7}" type="datetimeFigureOut">
               <a:rPr lang="nl-NL" smtClean="0"/>
-              <a:t>26-10-2017</a:t>
+              <a:t>31-10-2017</a:t>
             </a:fld>
             <a:endParaRPr lang="nl-NL"/>
           </a:p>
@@ -1032,7 +1032,7 @@
           <a:p>
             <a:fld id="{96DFF08F-DC6B-4601-B491-B0F83F6DD2DA}" type="datetimeFigureOut">
               <a:rPr lang="en-US" dirty="0"/>
-              <a:t>10/26/2017</a:t>
+              <a:t>10/31/2017</a:t>
             </a:fld>
             <a:endParaRPr lang="en-US" dirty="0"/>
           </a:p>
@@ -1248,7 +1248,7 @@
           <a:p>
             <a:fld id="{96DFF08F-DC6B-4601-B491-B0F83F6DD2DA}" type="datetimeFigureOut">
               <a:rPr lang="en-US" dirty="0"/>
-              <a:t>10/26/2017</a:t>
+              <a:t>10/31/2017</a:t>
             </a:fld>
             <a:endParaRPr lang="en-US" dirty="0"/>
           </a:p>
@@ -1423,7 +1423,7 @@
           <a:p>
             <a:fld id="{96DFF08F-DC6B-4601-B491-B0F83F6DD2DA}" type="datetimeFigureOut">
               <a:rPr lang="en-US" dirty="0"/>
-              <a:t>10/26/2017</a:t>
+              <a:t>10/31/2017</a:t>
             </a:fld>
             <a:endParaRPr lang="en-US" dirty="0"/>
           </a:p>
@@ -1588,7 +1588,7 @@
           <a:p>
             <a:fld id="{96DFF08F-DC6B-4601-B491-B0F83F6DD2DA}" type="datetimeFigureOut">
               <a:rPr lang="en-US" dirty="0"/>
-              <a:t>10/26/2017</a:t>
+              <a:t>10/31/2017</a:t>
             </a:fld>
             <a:endParaRPr lang="en-US" dirty="0"/>
           </a:p>
@@ -1834,7 +1834,7 @@
           <a:p>
             <a:fld id="{96DFF08F-DC6B-4601-B491-B0F83F6DD2DA}" type="datetimeFigureOut">
               <a:rPr lang="en-US" dirty="0"/>
-              <a:t>10/26/2017</a:t>
+              <a:t>10/31/2017</a:t>
             </a:fld>
             <a:endParaRPr lang="en-US" dirty="0"/>
           </a:p>
@@ -2152,7 +2152,7 @@
           <a:p>
             <a:fld id="{96DFF08F-DC6B-4601-B491-B0F83F6DD2DA}" type="datetimeFigureOut">
               <a:rPr lang="en-US" dirty="0"/>
-              <a:t>10/26/2017</a:t>
+              <a:t>10/31/2017</a:t>
             </a:fld>
             <a:endParaRPr lang="en-US" dirty="0"/>
           </a:p>
@@ -2571,7 +2571,7 @@
           <a:p>
             <a:fld id="{96DFF08F-DC6B-4601-B491-B0F83F6DD2DA}" type="datetimeFigureOut">
               <a:rPr lang="en-US" dirty="0"/>
-              <a:t>10/26/2017</a:t>
+              <a:t>10/31/2017</a:t>
             </a:fld>
             <a:endParaRPr lang="en-US" dirty="0"/>
           </a:p>
@@ -2684,7 +2684,7 @@
           <a:p>
             <a:fld id="{96DFF08F-DC6B-4601-B491-B0F83F6DD2DA}" type="datetimeFigureOut">
               <a:rPr lang="en-US" dirty="0"/>
-              <a:t>10/26/2017</a:t>
+              <a:t>10/31/2017</a:t>
             </a:fld>
             <a:endParaRPr lang="en-US" dirty="0"/>
           </a:p>
@@ -2774,7 +2774,7 @@
           <a:p>
             <a:fld id="{96DFF08F-DC6B-4601-B491-B0F83F6DD2DA}" type="datetimeFigureOut">
               <a:rPr lang="en-US" dirty="0"/>
-              <a:t>10/26/2017</a:t>
+              <a:t>10/31/2017</a:t>
             </a:fld>
             <a:endParaRPr lang="en-US" dirty="0"/>
           </a:p>
@@ -3059,7 +3059,7 @@
           <a:p>
             <a:fld id="{96DFF08F-DC6B-4601-B491-B0F83F6DD2DA}" type="datetimeFigureOut">
               <a:rPr lang="en-US" dirty="0"/>
-              <a:t>10/26/2017</a:t>
+              <a:t>10/31/2017</a:t>
             </a:fld>
             <a:endParaRPr lang="en-US" dirty="0"/>
           </a:p>
@@ -3326,7 +3326,7 @@
           <a:p>
             <a:fld id="{96DFF08F-DC6B-4601-B491-B0F83F6DD2DA}" type="datetimeFigureOut">
               <a:rPr lang="en-US" dirty="0"/>
-              <a:t>10/26/2017</a:t>
+              <a:t>10/31/2017</a:t>
             </a:fld>
             <a:endParaRPr lang="en-US" dirty="0"/>
           </a:p>
@@ -3576,7 +3576,7 @@
             <a:fld id="{96DFF08F-DC6B-4601-B491-B0F83F6DD2DA}" type="datetimeFigureOut">
               <a:rPr lang="en-US" dirty="0"/>
               <a:pPr/>
-              <a:t>10/26/2017</a:t>
+              <a:t>10/31/2017</a:t>
             </a:fld>
             <a:endParaRPr lang="en-US" dirty="0"/>
           </a:p>
@@ -5529,6 +5529,52 @@
             <a:r>
               <a:rPr lang="en-US" dirty="0"/>
               <a:t>.</a:t>
+            </a:r>
+          </a:p>
+          <a:p>
+            <a:pPr>
+              <a:buFont typeface="Wingdings" panose="05000000000000000000" pitchFamily="2" charset="2"/>
+              <a:buChar char="§"/>
+            </a:pPr>
+            <a:r>
+              <a:rPr lang="en-US" dirty="0" err="1"/>
+              <a:t>Ook</a:t>
+            </a:r>
+            <a:r>
+              <a:rPr lang="en-US" dirty="0"/>
+              <a:t> </a:t>
+            </a:r>
+            <a:r>
+              <a:rPr lang="en-US" dirty="0" err="1"/>
+              <a:t>vervangbaar</a:t>
+            </a:r>
+            <a:r>
+              <a:rPr lang="en-US" dirty="0"/>
+              <a:t> door 3 </a:t>
+            </a:r>
+            <a:r>
+              <a:rPr lang="en-US" dirty="0" err="1"/>
+              <a:t>aparte</a:t>
+            </a:r>
+            <a:r>
+              <a:rPr lang="en-US" dirty="0"/>
+              <a:t> leds. (Code </a:t>
+            </a:r>
+            <a:r>
+              <a:rPr lang="en-US" dirty="0" err="1"/>
+              <a:t>werkt</a:t>
+            </a:r>
+            <a:r>
+              <a:rPr lang="en-US" dirty="0"/>
+              <a:t> </a:t>
+            </a:r>
+            <a:r>
+              <a:rPr lang="en-US" dirty="0" err="1"/>
+              <a:t>hetzelfde</a:t>
+            </a:r>
+            <a:r>
+              <a:rPr lang="en-US" dirty="0"/>
+              <a:t>)</a:t>
             </a:r>
           </a:p>
           <a:p>

--- a/Documents/Arduino Advanced.pptx
+++ b/Documents/Arduino Advanced.pptx
@@ -185,7 +185,7 @@
             </a:lvl1pPr>
           </a:lstStyle>
           <a:p>
-            <a:endParaRPr lang="nl-NL"/>
+            <a:endParaRPr lang="nl-NL" dirty="0"/>
           </a:p>
         </p:txBody>
       </p:sp>
@@ -220,7 +220,7 @@
               <a:rPr lang="nl-NL" smtClean="0"/>
               <a:t>31-10-2017</a:t>
             </a:fld>
-            <a:endParaRPr lang="nl-NL"/>
+            <a:endParaRPr lang="nl-NL" dirty="0"/>
           </a:p>
         </p:txBody>
       </p:sp>
@@ -253,7 +253,7 @@
           <a:bodyPr vert="horz" lIns="91440" tIns="45720" rIns="91440" bIns="45720" rtlCol="0" anchor="ctr"/>
           <a:lstStyle/>
           <a:p>
-            <a:endParaRPr lang="nl-NL"/>
+            <a:endParaRPr lang="nl-NL" dirty="0"/>
           </a:p>
         </p:txBody>
       </p:sp>
@@ -343,7 +343,7 @@
             </a:lvl1pPr>
           </a:lstStyle>
           <a:p>
-            <a:endParaRPr lang="nl-NL"/>
+            <a:endParaRPr lang="nl-NL" dirty="0"/>
           </a:p>
         </p:txBody>
       </p:sp>
@@ -378,7 +378,7 @@
               <a:rPr lang="nl-NL" smtClean="0"/>
               <a:t>‹nr.›</a:t>
             </a:fld>
-            <a:endParaRPr lang="nl-NL"/>
+            <a:endParaRPr lang="nl-NL" dirty="0"/>
           </a:p>
         </p:txBody>
       </p:sp>
@@ -561,7 +561,7 @@
               <a:rPr lang="nl-NL" smtClean="0"/>
               <a:t>8</a:t>
             </a:fld>
-            <a:endParaRPr lang="nl-NL"/>
+            <a:endParaRPr lang="nl-NL" dirty="0"/>
           </a:p>
         </p:txBody>
       </p:sp>
@@ -648,7 +648,7 @@
               <a:rPr lang="nl-NL" smtClean="0"/>
               <a:t>12</a:t>
             </a:fld>
-            <a:endParaRPr lang="nl-NL"/>
+            <a:endParaRPr lang="nl-NL" dirty="0"/>
           </a:p>
         </p:txBody>
       </p:sp>
@@ -709,7 +709,10 @@
           <a:bodyPr/>
           <a:lstStyle/>
           <a:p>
-            <a:endParaRPr lang="nl-NL" dirty="0"/>
+            <a:r>
+              <a:rPr lang="nl-NL" dirty="0"/>
+              <a:t>Easy. Simpelweg aan of uit zetten. Snelheid te bepalen door langer aan/uit te zetten.</a:t>
+            </a:r>
           </a:p>
         </p:txBody>
       </p:sp>
@@ -732,7 +735,7 @@
               <a:rPr lang="nl-NL" smtClean="0"/>
               <a:t>14</a:t>
             </a:fld>
-            <a:endParaRPr lang="nl-NL"/>
+            <a:endParaRPr lang="nl-NL" dirty="0"/>
           </a:p>
         </p:txBody>
       </p:sp>
@@ -819,7 +822,7 @@
               <a:rPr lang="nl-NL" smtClean="0"/>
               <a:t>16</a:t>
             </a:fld>
-            <a:endParaRPr lang="nl-NL"/>
+            <a:endParaRPr lang="nl-NL" dirty="0"/>
           </a:p>
         </p:txBody>
       </p:sp>
@@ -3229,7 +3232,7 @@
           </a:lstStyle>
           <a:p>
             <a:r>
-              <a:rPr lang="nl-NL"/>
+              <a:rPr lang="nl-NL" dirty="0"/>
               <a:t>Klik op het pictogram als u een afbeelding wilt toevoegen</a:t>
             </a:r>
             <a:endParaRPr lang="en-US" dirty="0"/>
@@ -5049,6 +5052,16 @@
             </a:pPr>
             <a:r>
               <a:rPr lang="en-US" dirty="0"/>
+              <a:t>Stuurt de motoren aan.</a:t>
+            </a:r>
+          </a:p>
+          <a:p>
+            <a:pPr>
+              <a:buFont typeface="Wingdings" panose="05000000000000000000" pitchFamily="2" charset="2"/>
+              <a:buChar char="§"/>
+            </a:pPr>
+            <a:r>
+              <a:rPr lang="en-US" dirty="0"/>
               <a:t>2 aansluitingen per motor.</a:t>
             </a:r>
           </a:p>
@@ -5472,7 +5485,7 @@
           <a:p>
             <a:pPr algn="ctr"/>
             <a:r>
-              <a:rPr lang="en-US"/>
+              <a:rPr lang="en-US" dirty="0"/>
               <a:t>RGB LED</a:t>
             </a:r>
             <a:endParaRPr lang="nl-NL" dirty="0"/>
@@ -5499,36 +5512,8 @@
               <a:buChar char="§"/>
             </a:pPr>
             <a:r>
-              <a:rPr lang="en-US" dirty="0" err="1"/>
-              <a:t>Aparte</a:t>
-            </a:r>
-            <a:r>
               <a:rPr lang="en-US" dirty="0"/>
-              <a:t> pins voor rood, </a:t>
-            </a:r>
-            <a:r>
-              <a:rPr lang="en-US" dirty="0" err="1"/>
-              <a:t>groen</a:t>
-            </a:r>
-            <a:r>
-              <a:rPr lang="en-US" dirty="0"/>
-              <a:t> </a:t>
-            </a:r>
-            <a:r>
-              <a:rPr lang="en-US" dirty="0" err="1"/>
-              <a:t>en</a:t>
-            </a:r>
-            <a:r>
-              <a:rPr lang="en-US" dirty="0"/>
-              <a:t> </a:t>
-            </a:r>
-            <a:r>
-              <a:rPr lang="en-US" dirty="0" err="1"/>
-              <a:t>blauw</a:t>
-            </a:r>
-            <a:r>
-              <a:rPr lang="en-US" dirty="0"/>
-              <a:t>.</a:t>
+              <a:t>Aparte pins voor rood, groen en blauw.</a:t>
             </a:r>
           </a:p>
           <a:p>
@@ -5537,44 +5522,8 @@
               <a:buChar char="§"/>
             </a:pPr>
             <a:r>
-              <a:rPr lang="en-US" dirty="0" err="1"/>
-              <a:t>Ook</a:t>
-            </a:r>
-            <a:r>
               <a:rPr lang="en-US" dirty="0"/>
-              <a:t> </a:t>
-            </a:r>
-            <a:r>
-              <a:rPr lang="en-US" dirty="0" err="1"/>
-              <a:t>vervangbaar</a:t>
-            </a:r>
-            <a:r>
-              <a:rPr lang="en-US" dirty="0"/>
-              <a:t> door 3 </a:t>
-            </a:r>
-            <a:r>
-              <a:rPr lang="en-US" dirty="0" err="1"/>
-              <a:t>aparte</a:t>
-            </a:r>
-            <a:r>
-              <a:rPr lang="en-US" dirty="0"/>
-              <a:t> leds. (Code </a:t>
-            </a:r>
-            <a:r>
-              <a:rPr lang="en-US" dirty="0" err="1"/>
-              <a:t>werkt</a:t>
-            </a:r>
-            <a:r>
-              <a:rPr lang="en-US" dirty="0"/>
-              <a:t> </a:t>
-            </a:r>
-            <a:r>
-              <a:rPr lang="en-US" dirty="0" err="1"/>
-              <a:t>hetzelfde</a:t>
-            </a:r>
-            <a:r>
-              <a:rPr lang="en-US" dirty="0"/>
-              <a:t>)</a:t>
+              <a:t>1 pin voor GND.</a:t>
             </a:r>
           </a:p>
           <a:p>
@@ -5584,7 +5533,7 @@
             </a:pPr>
             <a:r>
               <a:rPr lang="en-US" dirty="0"/>
-              <a:t>1 pin voor GND.</a:t>
+              <a:t>Ook vervangbaar door 3 aparte leds. (Code werkt hetzelfde)</a:t>
             </a:r>
           </a:p>
         </p:txBody>
@@ -5795,7 +5744,14 @@
               <a:buFont typeface="Wingdings" panose="05000000000000000000" pitchFamily="2" charset="2"/>
               <a:buChar char="§"/>
             </a:pPr>
-            <a:endParaRPr lang="en-US" dirty="0"/>
+            <a:r>
+              <a:rPr lang="en-US" dirty="0"/>
+              <a:t>GitHub:	</a:t>
+            </a:r>
+            <a:r>
+              <a:rPr lang="nl-NL" dirty="0"/>
+              <a:t>https://goo.gl/4EESUY</a:t>
+            </a:r>
           </a:p>
           <a:p>
             <a:pPr>
@@ -5803,12 +5759,8 @@
               <a:buChar char="§"/>
             </a:pPr>
             <a:r>
-              <a:rPr lang="en-US" dirty="0"/>
-              <a:t>GitHub:	</a:t>
-            </a:r>
-            <a:r>
               <a:rPr lang="nl-NL" dirty="0"/>
-              <a:t>https://goo.gl/4EESUY</a:t>
+              <a:t>Powerbanks? Werkt wat fijner dan batterijen.</a:t>
             </a:r>
             <a:endParaRPr lang="en-US" dirty="0"/>
           </a:p>
@@ -5867,25 +5819,6 @@
           </a:p>
         </p:txBody>
       </p:sp>
-      <p:sp>
-        <p:nvSpPr>
-          <p:cNvPr id="3" name="Ondertitel 2"/>
-          <p:cNvSpPr>
-            <a:spLocks noGrp="1"/>
-          </p:cNvSpPr>
-          <p:nvPr>
-            <p:ph type="subTitle" idx="1"/>
-          </p:nvPr>
-        </p:nvSpPr>
-        <p:spPr/>
-        <p:txBody>
-          <a:bodyPr/>
-          <a:lstStyle/>
-          <a:p>
-            <a:endParaRPr lang="nl-NL"/>
-          </a:p>
-        </p:txBody>
-      </p:sp>
     </p:spTree>
     <p:extLst>
       <p:ext uri="{BB962C8B-B14F-4D97-AF65-F5344CB8AC3E}">
@@ -6115,25 +6048,6 @@
               <a:t>Componenten</a:t>
             </a:r>
             <a:endParaRPr lang="nl-NL" dirty="0"/>
-          </a:p>
-        </p:txBody>
-      </p:sp>
-      <p:sp>
-        <p:nvSpPr>
-          <p:cNvPr id="4" name="Ondertitel 3"/>
-          <p:cNvSpPr>
-            <a:spLocks noGrp="1"/>
-          </p:cNvSpPr>
-          <p:nvPr>
-            <p:ph type="subTitle" idx="1"/>
-          </p:nvPr>
-        </p:nvSpPr>
-        <p:spPr/>
-        <p:txBody>
-          <a:bodyPr/>
-          <a:lstStyle/>
-          <a:p>
-            <a:endParaRPr lang="nl-NL"/>
           </a:p>
         </p:txBody>
       </p:sp>
